--- a/docx/Презентация Microsoft PowerPoint (2).pptx
+++ b/docx/Презентация Microsoft PowerPoint (2).pptx
@@ -9,6 +9,9 @@
     <p:sldId id="257" r:id="rId3"/>
     <p:sldId id="258" r:id="rId4"/>
     <p:sldId id="259" r:id="rId5"/>
+    <p:sldId id="260" r:id="rId6"/>
+    <p:sldId id="261" r:id="rId7"/>
+    <p:sldId id="262" r:id="rId8"/>
   </p:sldIdLst>
   <p:sldSz cx="12192000" cy="6858000"/>
   <p:notesSz cx="6858000" cy="9144000"/>
@@ -107,6 +110,11 @@
       </a:defRPr>
     </a:lvl9pPr>
   </p:defaultTextStyle>
+  <p:extLst>
+    <p:ext uri="{EFAFB233-063F-42B5-8137-9DF3F51BA10A}">
+      <p15:sldGuideLst xmlns:p15="http://schemas.microsoft.com/office/powerpoint/2012/main"/>
+    </p:ext>
+  </p:extLst>
 </p:presentation>
 </file>
 
@@ -257,7 +265,7 @@
           <a:p>
             <a:fld id="{D51D9804-95D0-4605-BAE9-CE6B53374720}" type="datetimeFigureOut">
               <a:rPr lang="ru-RU" smtClean="0"/>
-              <a:t>16.04.2024</a:t>
+              <a:t>23.04.2024</a:t>
             </a:fld>
             <a:endParaRPr lang="ru-RU"/>
           </a:p>
@@ -455,7 +463,7 @@
           <a:p>
             <a:fld id="{D51D9804-95D0-4605-BAE9-CE6B53374720}" type="datetimeFigureOut">
               <a:rPr lang="ru-RU" smtClean="0"/>
-              <a:t>16.04.2024</a:t>
+              <a:t>23.04.2024</a:t>
             </a:fld>
             <a:endParaRPr lang="ru-RU"/>
           </a:p>
@@ -663,7 +671,7 @@
           <a:p>
             <a:fld id="{D51D9804-95D0-4605-BAE9-CE6B53374720}" type="datetimeFigureOut">
               <a:rPr lang="ru-RU" smtClean="0"/>
-              <a:t>16.04.2024</a:t>
+              <a:t>23.04.2024</a:t>
             </a:fld>
             <a:endParaRPr lang="ru-RU"/>
           </a:p>
@@ -861,7 +869,7 @@
           <a:p>
             <a:fld id="{D51D9804-95D0-4605-BAE9-CE6B53374720}" type="datetimeFigureOut">
               <a:rPr lang="ru-RU" smtClean="0"/>
-              <a:t>16.04.2024</a:t>
+              <a:t>23.04.2024</a:t>
             </a:fld>
             <a:endParaRPr lang="ru-RU"/>
           </a:p>
@@ -1136,7 +1144,7 @@
           <a:p>
             <a:fld id="{D51D9804-95D0-4605-BAE9-CE6B53374720}" type="datetimeFigureOut">
               <a:rPr lang="ru-RU" smtClean="0"/>
-              <a:t>16.04.2024</a:t>
+              <a:t>23.04.2024</a:t>
             </a:fld>
             <a:endParaRPr lang="ru-RU"/>
           </a:p>
@@ -1401,7 +1409,7 @@
           <a:p>
             <a:fld id="{D51D9804-95D0-4605-BAE9-CE6B53374720}" type="datetimeFigureOut">
               <a:rPr lang="ru-RU" smtClean="0"/>
-              <a:t>16.04.2024</a:t>
+              <a:t>23.04.2024</a:t>
             </a:fld>
             <a:endParaRPr lang="ru-RU"/>
           </a:p>
@@ -1813,7 +1821,7 @@
           <a:p>
             <a:fld id="{D51D9804-95D0-4605-BAE9-CE6B53374720}" type="datetimeFigureOut">
               <a:rPr lang="ru-RU" smtClean="0"/>
-              <a:t>16.04.2024</a:t>
+              <a:t>23.04.2024</a:t>
             </a:fld>
             <a:endParaRPr lang="ru-RU"/>
           </a:p>
@@ -1954,7 +1962,7 @@
           <a:p>
             <a:fld id="{D51D9804-95D0-4605-BAE9-CE6B53374720}" type="datetimeFigureOut">
               <a:rPr lang="ru-RU" smtClean="0"/>
-              <a:t>16.04.2024</a:t>
+              <a:t>23.04.2024</a:t>
             </a:fld>
             <a:endParaRPr lang="ru-RU"/>
           </a:p>
@@ -2067,7 +2075,7 @@
           <a:p>
             <a:fld id="{D51D9804-95D0-4605-BAE9-CE6B53374720}" type="datetimeFigureOut">
               <a:rPr lang="ru-RU" smtClean="0"/>
-              <a:t>16.04.2024</a:t>
+              <a:t>23.04.2024</a:t>
             </a:fld>
             <a:endParaRPr lang="ru-RU"/>
           </a:p>
@@ -2378,7 +2386,7 @@
           <a:p>
             <a:fld id="{D51D9804-95D0-4605-BAE9-CE6B53374720}" type="datetimeFigureOut">
               <a:rPr lang="ru-RU" smtClean="0"/>
-              <a:t>16.04.2024</a:t>
+              <a:t>23.04.2024</a:t>
             </a:fld>
             <a:endParaRPr lang="ru-RU"/>
           </a:p>
@@ -2666,7 +2674,7 @@
           <a:p>
             <a:fld id="{D51D9804-95D0-4605-BAE9-CE6B53374720}" type="datetimeFigureOut">
               <a:rPr lang="ru-RU" smtClean="0"/>
-              <a:t>16.04.2024</a:t>
+              <a:t>23.04.2024</a:t>
             </a:fld>
             <a:endParaRPr lang="ru-RU"/>
           </a:p>
@@ -2907,7 +2915,7 @@
           <a:p>
             <a:fld id="{D51D9804-95D0-4605-BAE9-CE6B53374720}" type="datetimeFigureOut">
               <a:rPr lang="ru-RU" smtClean="0"/>
-              <a:t>16.04.2024</a:t>
+              <a:t>23.04.2024</a:t>
             </a:fld>
             <a:endParaRPr lang="ru-RU"/>
           </a:p>
@@ -3310,6 +3318,14 @@
 <file path=ppt/slides/slide1.xml><?xml version="1.0" encoding="utf-8"?>
 <p:sld xmlns:a="http://schemas.openxmlformats.org/drawingml/2006/main" xmlns:r="http://schemas.openxmlformats.org/officeDocument/2006/relationships" xmlns:p="http://schemas.openxmlformats.org/presentationml/2006/main">
   <p:cSld>
+    <p:bg>
+      <p:bgPr>
+        <a:solidFill>
+          <a:srgbClr val="92D050"/>
+        </a:solidFill>
+        <a:effectLst/>
+      </p:bgPr>
+    </p:bg>
     <p:spTree>
       <p:nvGrpSpPr>
         <p:cNvPr id="1" name=""/>
@@ -3401,6 +3417,14 @@
 <file path=ppt/slides/slide2.xml><?xml version="1.0" encoding="utf-8"?>
 <p:sld xmlns:a="http://schemas.openxmlformats.org/drawingml/2006/main" xmlns:r="http://schemas.openxmlformats.org/officeDocument/2006/relationships" xmlns:p="http://schemas.openxmlformats.org/presentationml/2006/main">
   <p:cSld>
+    <p:bg>
+      <p:bgPr>
+        <a:solidFill>
+          <a:srgbClr val="92D050"/>
+        </a:solidFill>
+        <a:effectLst/>
+      </p:bgPr>
+    </p:bg>
     <p:spTree>
       <p:nvGrpSpPr>
         <p:cNvPr id="1" name=""/>
@@ -3492,6 +3516,14 @@
 <file path=ppt/slides/slide3.xml><?xml version="1.0" encoding="utf-8"?>
 <p:sld xmlns:a="http://schemas.openxmlformats.org/drawingml/2006/main" xmlns:r="http://schemas.openxmlformats.org/officeDocument/2006/relationships" xmlns:p="http://schemas.openxmlformats.org/presentationml/2006/main">
   <p:cSld>
+    <p:bg>
+      <p:bgPr>
+        <a:solidFill>
+          <a:srgbClr val="92D050"/>
+        </a:solidFill>
+        <a:effectLst/>
+      </p:bgPr>
+    </p:bg>
     <p:spTree>
       <p:nvGrpSpPr>
         <p:cNvPr id="1" name=""/>
@@ -3639,8 +3671,21 @@
             </a:r>
             <a:r>
               <a:rPr lang="ru-RU" sz="4400" dirty="0"/>
-              <a:t>от Яндекс погоды</a:t>
-            </a:r>
+              <a:t>от Яндекс погоды, ключ </a:t>
+            </a:r>
+            <a:r>
+              <a:rPr lang="en-US" sz="4400" dirty="0"/>
+              <a:t>API</a:t>
+            </a:r>
+            <a:r>
+              <a:rPr lang="ru-RU" sz="4400" dirty="0"/>
+              <a:t> от </a:t>
+            </a:r>
+            <a:r>
+              <a:rPr lang="ru-RU" sz="4400" dirty="0" err="1"/>
+              <a:t>геокодера</a:t>
+            </a:r>
+            <a:endParaRPr lang="ru-RU" sz="4400" dirty="0"/>
           </a:p>
           <a:p>
             <a:r>
@@ -3677,6 +3722,14 @@
 <file path=ppt/slides/slide4.xml><?xml version="1.0" encoding="utf-8"?>
 <p:sld xmlns:a="http://schemas.openxmlformats.org/drawingml/2006/main" xmlns:r="http://schemas.openxmlformats.org/officeDocument/2006/relationships" xmlns:p="http://schemas.openxmlformats.org/presentationml/2006/main">
   <p:cSld>
+    <p:bg>
+      <p:bgPr>
+        <a:solidFill>
+          <a:srgbClr val="92D050"/>
+        </a:solidFill>
+        <a:effectLst/>
+      </p:bgPr>
+    </p:bg>
     <p:spTree>
       <p:nvGrpSpPr>
         <p:cNvPr id="1" name=""/>
@@ -3746,37 +3799,58 @@
           </a:xfrm>
         </p:spPr>
         <p:txBody>
-          <a:bodyPr/>
-          <a:lstStyle/>
-          <a:p>
-            <a:r>
-              <a:rPr lang="ru-RU" dirty="0"/>
+          <a:bodyPr>
+            <a:normAutofit/>
+          </a:bodyPr>
+          <a:lstStyle/>
+          <a:p>
+            <a:r>
+              <a:rPr lang="ru-RU" sz="3200" dirty="0"/>
               <a:t>Внешний вид сайта</a:t>
             </a:r>
             <a:r>
-              <a:rPr lang="en-US" dirty="0"/>
+              <a:rPr lang="en-US" sz="3200" dirty="0"/>
               <a:t>:</a:t>
             </a:r>
           </a:p>
           <a:p>
             <a:pPr lvl="1"/>
             <a:r>
-              <a:rPr lang="ru-RU" dirty="0"/>
+              <a:rPr lang="ru-RU" sz="3200" dirty="0"/>
               <a:t>В верхнем правом углу есть кнопки зарегистрироваться и войти</a:t>
             </a:r>
           </a:p>
           <a:p>
             <a:pPr lvl="2"/>
             <a:r>
-              <a:rPr lang="ru-RU" dirty="0"/>
+              <a:rPr lang="ru-RU" sz="3200" dirty="0"/>
               <a:t>При регистрации аккаунт заносится в базу данных, а при вхождение в аккаунт будет проверка на наличие аккаунта в базе данных</a:t>
             </a:r>
           </a:p>
           <a:p>
             <a:pPr lvl="1"/>
             <a:r>
-              <a:rPr lang="ru-RU" dirty="0"/>
-              <a:t>Справа также будут поиски по городам и по координатам.</a:t>
+              <a:rPr lang="ru-RU" sz="3200" dirty="0"/>
+              <a:t>Есть две кнопки поиска по городам и по координатам.</a:t>
+            </a:r>
+          </a:p>
+          <a:p>
+            <a:pPr lvl="1"/>
+            <a:r>
+              <a:rPr lang="ru-RU" sz="3200" dirty="0"/>
+              <a:t>При поиске городов внизу будут появляться информацию до </a:t>
+            </a:r>
+            <a:r>
+              <a:rPr lang="ru-RU" sz="3200"/>
+              <a:t>6 городов</a:t>
+            </a:r>
+            <a:endParaRPr lang="ru-RU" sz="3200" dirty="0"/>
+          </a:p>
+          <a:p>
+            <a:pPr lvl="1"/>
+            <a:r>
+              <a:rPr lang="ru-RU" sz="3200" dirty="0"/>
+              <a:t>Если пользователь зарегистрировался или вошел в аккаунт  то у него появится отдельная кнопка «подробнее»  для более детального прогноза погоды.</a:t>
             </a:r>
           </a:p>
         </p:txBody>
@@ -3785,6 +3859,377 @@
     <p:extLst>
       <p:ext uri="{BB962C8B-B14F-4D97-AF65-F5344CB8AC3E}">
         <p14:creationId xmlns:p14="http://schemas.microsoft.com/office/powerpoint/2010/main" val="191782715"/>
+      </p:ext>
+    </p:extLst>
+  </p:cSld>
+  <p:clrMapOvr>
+    <a:masterClrMapping/>
+  </p:clrMapOvr>
+</p:sld>
+</file>
+
+<file path=ppt/slides/slide5.xml><?xml version="1.0" encoding="utf-8"?>
+<p:sld xmlns:a="http://schemas.openxmlformats.org/drawingml/2006/main" xmlns:r="http://schemas.openxmlformats.org/officeDocument/2006/relationships" xmlns:p="http://schemas.openxmlformats.org/presentationml/2006/main">
+  <p:cSld>
+    <p:bg>
+      <p:bgPr>
+        <a:solidFill>
+          <a:srgbClr val="92D050"/>
+        </a:solidFill>
+        <a:effectLst/>
+      </p:bgPr>
+    </p:bg>
+    <p:spTree>
+      <p:nvGrpSpPr>
+        <p:cNvPr id="1" name=""/>
+        <p:cNvGrpSpPr/>
+        <p:nvPr/>
+      </p:nvGrpSpPr>
+      <p:grpSpPr>
+        <a:xfrm>
+          <a:off x="0" y="0"/>
+          <a:ext cx="0" cy="0"/>
+          <a:chOff x="0" y="0"/>
+          <a:chExt cx="0" cy="0"/>
+        </a:xfrm>
+      </p:grpSpPr>
+      <p:sp>
+        <p:nvSpPr>
+          <p:cNvPr id="2" name="Заголовок 1">
+            <a:extLst>
+              <a:ext uri="{FF2B5EF4-FFF2-40B4-BE49-F238E27FC236}">
+                <a16:creationId xmlns:a16="http://schemas.microsoft.com/office/drawing/2014/main" id="{C043826F-59A7-4906-ACAF-577E6D3ED3EB}"/>
+              </a:ext>
+            </a:extLst>
+          </p:cNvPr>
+          <p:cNvSpPr>
+            <a:spLocks noGrp="1"/>
+          </p:cNvSpPr>
+          <p:nvPr>
+            <p:ph type="title"/>
+          </p:nvPr>
+        </p:nvSpPr>
+        <p:spPr/>
+        <p:txBody>
+          <a:bodyPr/>
+          <a:lstStyle/>
+          <a:p>
+            <a:endParaRPr lang="ru-RU"/>
+          </a:p>
+        </p:txBody>
+      </p:sp>
+      <p:sp>
+        <p:nvSpPr>
+          <p:cNvPr id="3" name="Объект 2">
+            <a:extLst>
+              <a:ext uri="{FF2B5EF4-FFF2-40B4-BE49-F238E27FC236}">
+                <a16:creationId xmlns:a16="http://schemas.microsoft.com/office/drawing/2014/main" id="{64032A58-54E2-4D6B-A90D-4F3384D35233}"/>
+              </a:ext>
+            </a:extLst>
+          </p:cNvPr>
+          <p:cNvSpPr>
+            <a:spLocks noGrp="1"/>
+          </p:cNvSpPr>
+          <p:nvPr>
+            <p:ph idx="1"/>
+          </p:nvPr>
+        </p:nvSpPr>
+        <p:spPr>
+          <a:xfrm>
+            <a:off x="838200" y="365125"/>
+            <a:ext cx="10515600" cy="5811838"/>
+          </a:xfrm>
+        </p:spPr>
+        <p:txBody>
+          <a:bodyPr>
+            <a:normAutofit/>
+          </a:bodyPr>
+          <a:lstStyle/>
+          <a:p>
+            <a:pPr algn="ctr"/>
+            <a:r>
+              <a:rPr lang="ru-RU" sz="5400" dirty="0"/>
+              <a:t>Для внешнего вида использовались</a:t>
+            </a:r>
+            <a:r>
+              <a:rPr lang="en-US" sz="5400" dirty="0"/>
+              <a:t>:</a:t>
+            </a:r>
+            <a:endParaRPr lang="ru-RU" sz="5400" dirty="0"/>
+          </a:p>
+          <a:p>
+            <a:pPr lvl="1" algn="ctr"/>
+            <a:r>
+              <a:rPr lang="ru-RU" sz="5400" dirty="0"/>
+              <a:t>Элементы </a:t>
+            </a:r>
+            <a:r>
+              <a:rPr lang="en-US" sz="5400" dirty="0"/>
+              <a:t>Bootstrap</a:t>
+            </a:r>
+          </a:p>
+          <a:p>
+            <a:pPr lvl="1" algn="ctr"/>
+            <a:r>
+              <a:rPr lang="ru-RU" sz="5400" dirty="0"/>
+              <a:t>Файл </a:t>
+            </a:r>
+            <a:r>
+              <a:rPr lang="en-US" sz="5400" dirty="0"/>
+              <a:t>CSS</a:t>
+            </a:r>
+          </a:p>
+          <a:p>
+            <a:pPr lvl="1" algn="ctr"/>
+            <a:r>
+              <a:rPr lang="en-US" sz="5400" dirty="0"/>
+              <a:t>Style</a:t>
+            </a:r>
+            <a:r>
+              <a:rPr lang="ru-RU" sz="5400" dirty="0"/>
+              <a:t> в</a:t>
+            </a:r>
+            <a:r>
+              <a:rPr lang="en-US" sz="5400" dirty="0"/>
+              <a:t> html</a:t>
+            </a:r>
+            <a:endParaRPr lang="ru-RU" sz="5400" dirty="0"/>
+          </a:p>
+        </p:txBody>
+      </p:sp>
+    </p:spTree>
+    <p:extLst>
+      <p:ext uri="{BB962C8B-B14F-4D97-AF65-F5344CB8AC3E}">
+        <p14:creationId xmlns:p14="http://schemas.microsoft.com/office/powerpoint/2010/main" val="2356611234"/>
+      </p:ext>
+    </p:extLst>
+  </p:cSld>
+  <p:clrMapOvr>
+    <a:masterClrMapping/>
+  </p:clrMapOvr>
+</p:sld>
+</file>
+
+<file path=ppt/slides/slide6.xml><?xml version="1.0" encoding="utf-8"?>
+<p:sld xmlns:a="http://schemas.openxmlformats.org/drawingml/2006/main" xmlns:r="http://schemas.openxmlformats.org/officeDocument/2006/relationships" xmlns:p="http://schemas.openxmlformats.org/presentationml/2006/main">
+  <p:cSld>
+    <p:bg>
+      <p:bgPr>
+        <a:solidFill>
+          <a:srgbClr val="92D050"/>
+        </a:solidFill>
+        <a:effectLst/>
+      </p:bgPr>
+    </p:bg>
+    <p:spTree>
+      <p:nvGrpSpPr>
+        <p:cNvPr id="1" name=""/>
+        <p:cNvGrpSpPr/>
+        <p:nvPr/>
+      </p:nvGrpSpPr>
+      <p:grpSpPr>
+        <a:xfrm>
+          <a:off x="0" y="0"/>
+          <a:ext cx="0" cy="0"/>
+          <a:chOff x="0" y="0"/>
+          <a:chExt cx="0" cy="0"/>
+        </a:xfrm>
+      </p:grpSpPr>
+      <p:sp>
+        <p:nvSpPr>
+          <p:cNvPr id="2" name="Заголовок 1">
+            <a:extLst>
+              <a:ext uri="{FF2B5EF4-FFF2-40B4-BE49-F238E27FC236}">
+                <a16:creationId xmlns:a16="http://schemas.microsoft.com/office/drawing/2014/main" id="{55A260E2-BE33-4715-A424-62EC21AA6328}"/>
+              </a:ext>
+            </a:extLst>
+          </p:cNvPr>
+          <p:cNvSpPr>
+            <a:spLocks noGrp="1"/>
+          </p:cNvSpPr>
+          <p:nvPr>
+            <p:ph type="title"/>
+          </p:nvPr>
+        </p:nvSpPr>
+        <p:spPr/>
+        <p:txBody>
+          <a:bodyPr/>
+          <a:lstStyle/>
+          <a:p>
+            <a:endParaRPr lang="ru-RU"/>
+          </a:p>
+        </p:txBody>
+      </p:sp>
+      <p:sp>
+        <p:nvSpPr>
+          <p:cNvPr id="3" name="Объект 2">
+            <a:extLst>
+              <a:ext uri="{FF2B5EF4-FFF2-40B4-BE49-F238E27FC236}">
+                <a16:creationId xmlns:a16="http://schemas.microsoft.com/office/drawing/2014/main" id="{0CBF34EE-5181-4D38-80C0-E5F14E32A1A6}"/>
+              </a:ext>
+            </a:extLst>
+          </p:cNvPr>
+          <p:cNvSpPr>
+            <a:spLocks noGrp="1"/>
+          </p:cNvSpPr>
+          <p:nvPr>
+            <p:ph idx="1"/>
+          </p:nvPr>
+        </p:nvSpPr>
+        <p:spPr>
+          <a:xfrm>
+            <a:off x="838200" y="365125"/>
+            <a:ext cx="10515600" cy="5811838"/>
+          </a:xfrm>
+        </p:spPr>
+        <p:txBody>
+          <a:bodyPr>
+            <a:normAutofit/>
+          </a:bodyPr>
+          <a:lstStyle/>
+          <a:p>
+            <a:pPr algn="ctr"/>
+            <a:r>
+              <a:rPr lang="ru-RU" sz="4800" dirty="0"/>
+              <a:t>Ходят легенды</a:t>
+            </a:r>
+            <a:r>
+              <a:rPr lang="en-US" sz="4800" dirty="0"/>
+              <a:t>: </a:t>
+            </a:r>
+            <a:r>
+              <a:rPr lang="ru-RU" sz="4800" dirty="0"/>
+              <a:t>если у пользователя будет ужасный интернет, то и последствия будут ужасными.</a:t>
+            </a:r>
+          </a:p>
+          <a:p>
+            <a:pPr algn="ctr"/>
+            <a:r>
+              <a:rPr lang="ru-RU" sz="4800" b="1" dirty="0"/>
+              <a:t>Поля почернеют</a:t>
+            </a:r>
+          </a:p>
+          <a:p>
+            <a:pPr algn="ctr"/>
+            <a:r>
+              <a:rPr lang="ru-RU" sz="4800" b="1" dirty="0"/>
+              <a:t>Кнопки почернеют</a:t>
+            </a:r>
+          </a:p>
+          <a:p>
+            <a:pPr algn="ctr"/>
+            <a:r>
+              <a:rPr lang="ru-RU" sz="4800" b="1" dirty="0"/>
+              <a:t>ВЫ НИЧЕГО НЕ НАЙДЕТЕ</a:t>
+            </a:r>
+          </a:p>
+        </p:txBody>
+      </p:sp>
+    </p:spTree>
+    <p:extLst>
+      <p:ext uri="{BB962C8B-B14F-4D97-AF65-F5344CB8AC3E}">
+        <p14:creationId xmlns:p14="http://schemas.microsoft.com/office/powerpoint/2010/main" val="1376961"/>
+      </p:ext>
+    </p:extLst>
+  </p:cSld>
+  <p:clrMapOvr>
+    <a:masterClrMapping/>
+  </p:clrMapOvr>
+</p:sld>
+</file>
+
+<file path=ppt/slides/slide7.xml><?xml version="1.0" encoding="utf-8"?>
+<p:sld xmlns:a="http://schemas.openxmlformats.org/drawingml/2006/main" xmlns:r="http://schemas.openxmlformats.org/officeDocument/2006/relationships" xmlns:p="http://schemas.openxmlformats.org/presentationml/2006/main">
+  <p:cSld>
+    <p:bg>
+      <p:bgPr>
+        <a:solidFill>
+          <a:srgbClr val="92D050"/>
+        </a:solidFill>
+        <a:effectLst/>
+      </p:bgPr>
+    </p:bg>
+    <p:spTree>
+      <p:nvGrpSpPr>
+        <p:cNvPr id="1" name=""/>
+        <p:cNvGrpSpPr/>
+        <p:nvPr/>
+      </p:nvGrpSpPr>
+      <p:grpSpPr>
+        <a:xfrm>
+          <a:off x="0" y="0"/>
+          <a:ext cx="0" cy="0"/>
+          <a:chOff x="0" y="0"/>
+          <a:chExt cx="0" cy="0"/>
+        </a:xfrm>
+      </p:grpSpPr>
+      <p:sp>
+        <p:nvSpPr>
+          <p:cNvPr id="2" name="Заголовок 1">
+            <a:extLst>
+              <a:ext uri="{FF2B5EF4-FFF2-40B4-BE49-F238E27FC236}">
+                <a16:creationId xmlns:a16="http://schemas.microsoft.com/office/drawing/2014/main" id="{1FC271EA-1A3E-4330-A33E-B3C9814F881E}"/>
+              </a:ext>
+            </a:extLst>
+          </p:cNvPr>
+          <p:cNvSpPr>
+            <a:spLocks noGrp="1"/>
+          </p:cNvSpPr>
+          <p:nvPr>
+            <p:ph type="title"/>
+          </p:nvPr>
+        </p:nvSpPr>
+        <p:spPr/>
+        <p:txBody>
+          <a:bodyPr/>
+          <a:lstStyle/>
+          <a:p>
+            <a:endParaRPr lang="ru-RU"/>
+          </a:p>
+        </p:txBody>
+      </p:sp>
+      <p:sp>
+        <p:nvSpPr>
+          <p:cNvPr id="3" name="Объект 2">
+            <a:extLst>
+              <a:ext uri="{FF2B5EF4-FFF2-40B4-BE49-F238E27FC236}">
+                <a16:creationId xmlns:a16="http://schemas.microsoft.com/office/drawing/2014/main" id="{1FCDF202-6333-4137-A1E2-69EC483552C8}"/>
+              </a:ext>
+            </a:extLst>
+          </p:cNvPr>
+          <p:cNvSpPr>
+            <a:spLocks noGrp="1"/>
+          </p:cNvSpPr>
+          <p:nvPr>
+            <p:ph idx="1"/>
+          </p:nvPr>
+        </p:nvSpPr>
+        <p:spPr>
+          <a:xfrm>
+            <a:off x="838200" y="2457449"/>
+            <a:ext cx="10515600" cy="3719513"/>
+          </a:xfrm>
+        </p:spPr>
+        <p:txBody>
+          <a:bodyPr>
+            <a:normAutofit/>
+          </a:bodyPr>
+          <a:lstStyle/>
+          <a:p>
+            <a:pPr marL="0" indent="0" algn="ctr">
+              <a:buNone/>
+            </a:pPr>
+            <a:r>
+              <a:rPr lang="ru-RU" sz="9600" b="1" dirty="0"/>
+              <a:t>Рассмотрим сайт</a:t>
+            </a:r>
+          </a:p>
+        </p:txBody>
+      </p:sp>
+    </p:spTree>
+    <p:extLst>
+      <p:ext uri="{BB962C8B-B14F-4D97-AF65-F5344CB8AC3E}">
+        <p14:creationId xmlns:p14="http://schemas.microsoft.com/office/powerpoint/2010/main" val="2163469459"/>
       </p:ext>
     </p:extLst>
   </p:cSld>
